--- a/images/figures.pptx
+++ b/images/figures.pptx
@@ -4537,7 +4537,7 @@
           <a:p>
             <a:fld id="{5D387ACB-10DB-4819-9463-43EEF9195A25}" type="datetimeFigureOut">
               <a:rPr lang="en-US" smtClean="0"/>
-              <a:t>8/5/2022</a:t>
+              <a:t>2/17/2023</a:t>
             </a:fld>
             <a:endParaRPr lang="en-US"/>
           </a:p>
@@ -4735,7 +4735,7 @@
           <a:p>
             <a:fld id="{5D387ACB-10DB-4819-9463-43EEF9195A25}" type="datetimeFigureOut">
               <a:rPr lang="en-US" smtClean="0"/>
-              <a:t>8/5/2022</a:t>
+              <a:t>2/17/2023</a:t>
             </a:fld>
             <a:endParaRPr lang="en-US"/>
           </a:p>
@@ -4943,7 +4943,7 @@
           <a:p>
             <a:fld id="{5D387ACB-10DB-4819-9463-43EEF9195A25}" type="datetimeFigureOut">
               <a:rPr lang="en-US" smtClean="0"/>
-              <a:t>8/5/2022</a:t>
+              <a:t>2/17/2023</a:t>
             </a:fld>
             <a:endParaRPr lang="en-US"/>
           </a:p>
@@ -5141,7 +5141,7 @@
           <a:p>
             <a:fld id="{5D387ACB-10DB-4819-9463-43EEF9195A25}" type="datetimeFigureOut">
               <a:rPr lang="en-US" smtClean="0"/>
-              <a:t>8/5/2022</a:t>
+              <a:t>2/17/2023</a:t>
             </a:fld>
             <a:endParaRPr lang="en-US"/>
           </a:p>
@@ -5416,7 +5416,7 @@
           <a:p>
             <a:fld id="{5D387ACB-10DB-4819-9463-43EEF9195A25}" type="datetimeFigureOut">
               <a:rPr lang="en-US" smtClean="0"/>
-              <a:t>8/5/2022</a:t>
+              <a:t>2/17/2023</a:t>
             </a:fld>
             <a:endParaRPr lang="en-US"/>
           </a:p>
@@ -5681,7 +5681,7 @@
           <a:p>
             <a:fld id="{5D387ACB-10DB-4819-9463-43EEF9195A25}" type="datetimeFigureOut">
               <a:rPr lang="en-US" smtClean="0"/>
-              <a:t>8/5/2022</a:t>
+              <a:t>2/17/2023</a:t>
             </a:fld>
             <a:endParaRPr lang="en-US"/>
           </a:p>
@@ -6093,7 +6093,7 @@
           <a:p>
             <a:fld id="{5D387ACB-10DB-4819-9463-43EEF9195A25}" type="datetimeFigureOut">
               <a:rPr lang="en-US" smtClean="0"/>
-              <a:t>8/5/2022</a:t>
+              <a:t>2/17/2023</a:t>
             </a:fld>
             <a:endParaRPr lang="en-US"/>
           </a:p>
@@ -6234,7 +6234,7 @@
           <a:p>
             <a:fld id="{5D387ACB-10DB-4819-9463-43EEF9195A25}" type="datetimeFigureOut">
               <a:rPr lang="en-US" smtClean="0"/>
-              <a:t>8/5/2022</a:t>
+              <a:t>2/17/2023</a:t>
             </a:fld>
             <a:endParaRPr lang="en-US"/>
           </a:p>
@@ -6347,7 +6347,7 @@
           <a:p>
             <a:fld id="{5D387ACB-10DB-4819-9463-43EEF9195A25}" type="datetimeFigureOut">
               <a:rPr lang="en-US" smtClean="0"/>
-              <a:t>8/5/2022</a:t>
+              <a:t>2/17/2023</a:t>
             </a:fld>
             <a:endParaRPr lang="en-US"/>
           </a:p>
@@ -6658,7 +6658,7 @@
           <a:p>
             <a:fld id="{5D387ACB-10DB-4819-9463-43EEF9195A25}" type="datetimeFigureOut">
               <a:rPr lang="en-US" smtClean="0"/>
-              <a:t>8/5/2022</a:t>
+              <a:t>2/17/2023</a:t>
             </a:fld>
             <a:endParaRPr lang="en-US"/>
           </a:p>
@@ -6946,7 +6946,7 @@
           <a:p>
             <a:fld id="{5D387ACB-10DB-4819-9463-43EEF9195A25}" type="datetimeFigureOut">
               <a:rPr lang="en-US" smtClean="0"/>
-              <a:t>8/5/2022</a:t>
+              <a:t>2/17/2023</a:t>
             </a:fld>
             <a:endParaRPr lang="en-US"/>
           </a:p>
@@ -7187,7 +7187,7 @@
           <a:p>
             <a:fld id="{5D387ACB-10DB-4819-9463-43EEF9195A25}" type="datetimeFigureOut">
               <a:rPr lang="en-US" smtClean="0"/>
-              <a:t>8/5/2022</a:t>
+              <a:t>2/17/2023</a:t>
             </a:fld>
             <a:endParaRPr lang="en-US"/>
           </a:p>
@@ -12715,7 +12715,7 @@
         </p:nvSpPr>
         <p:spPr>
           <a:xfrm>
-            <a:off x="513345" y="585537"/>
+            <a:off x="3791960" y="656366"/>
             <a:ext cx="2747211" cy="2606842"/>
           </a:xfrm>
           <a:prstGeom prst="rect">
@@ -12794,10 +12794,10 @@
       </p:pic>
       <p:pic>
         <p:nvPicPr>
-          <p:cNvPr id="7" name="Graphic 6" descr="Closed book with solid fill">
+          <p:cNvPr id="9" name="Graphic 8" descr="Database with solid fill">
             <a:extLst>
               <a:ext uri="{FF2B5EF4-FFF2-40B4-BE49-F238E27FC236}">
-                <a16:creationId xmlns:a16="http://schemas.microsoft.com/office/drawing/2014/main" id="{D96A2B17-5D8C-402B-934E-80F8FDBA3DEC}"/>
+                <a16:creationId xmlns:a16="http://schemas.microsoft.com/office/drawing/2014/main" id="{2F030DC7-40C3-4739-8EE1-AD0B68EE486A}"/>
               </a:ext>
             </a:extLst>
           </p:cNvPr>
@@ -12814,45 +12814,6 @@
               </a:ext>
               <a:ext uri="{96DAC541-7B7A-43D3-8B79-37D633B846F1}">
                 <asvg:svgBlip xmlns:asvg="http://schemas.microsoft.com/office/drawing/2016/SVG/main" r:embed="rId5"/>
-              </a:ext>
-            </a:extLst>
-          </a:blip>
-          <a:stretch>
-            <a:fillRect/>
-          </a:stretch>
-        </p:blipFill>
-        <p:spPr>
-          <a:xfrm>
-            <a:off x="4203026" y="752203"/>
-            <a:ext cx="1880936" cy="1880936"/>
-          </a:xfrm>
-          <a:prstGeom prst="rect">
-            <a:avLst/>
-          </a:prstGeom>
-        </p:spPr>
-      </p:pic>
-      <p:pic>
-        <p:nvPicPr>
-          <p:cNvPr id="9" name="Graphic 8" descr="Database with solid fill">
-            <a:extLst>
-              <a:ext uri="{FF2B5EF4-FFF2-40B4-BE49-F238E27FC236}">
-                <a16:creationId xmlns:a16="http://schemas.microsoft.com/office/drawing/2014/main" id="{2F030DC7-40C3-4739-8EE1-AD0B68EE486A}"/>
-              </a:ext>
-            </a:extLst>
-          </p:cNvPr>
-          <p:cNvPicPr>
-            <a:picLocks noChangeAspect="1"/>
-          </p:cNvPicPr>
-          <p:nvPr/>
-        </p:nvPicPr>
-        <p:blipFill>
-          <a:blip r:embed="rId6">
-            <a:extLst>
-              <a:ext uri="{28A0092B-C50C-407E-A947-70E740481C1C}">
-                <a14:useLocalDpi xmlns:a14="http://schemas.microsoft.com/office/drawing/2010/main" val="0"/>
-              </a:ext>
-              <a:ext uri="{96DAC541-7B7A-43D3-8B79-37D633B846F1}">
-                <asvg:svgBlip xmlns:asvg="http://schemas.microsoft.com/office/drawing/2016/SVG/main" r:embed="rId7"/>
               </a:ext>
             </a:extLst>
           </a:blip>
@@ -12885,13 +12846,13 @@
           <p:nvPr/>
         </p:nvPicPr>
         <p:blipFill>
-          <a:blip r:embed="rId8">
+          <a:blip r:embed="rId6">
             <a:extLst>
               <a:ext uri="{28A0092B-C50C-407E-A947-70E740481C1C}">
                 <a14:useLocalDpi xmlns:a14="http://schemas.microsoft.com/office/drawing/2010/main" val="0"/>
               </a:ext>
               <a:ext uri="{96DAC541-7B7A-43D3-8B79-37D633B846F1}">
-                <asvg:svgBlip xmlns:asvg="http://schemas.microsoft.com/office/drawing/2016/SVG/main" r:embed="rId9"/>
+                <asvg:svgBlip xmlns:asvg="http://schemas.microsoft.com/office/drawing/2016/SVG/main" r:embed="rId7"/>
               </a:ext>
             </a:extLst>
           </a:blip>
@@ -12901,7 +12862,7 @@
         </p:blipFill>
         <p:spPr>
           <a:xfrm>
-            <a:off x="906375" y="712097"/>
+            <a:off x="4184990" y="782926"/>
             <a:ext cx="1961148" cy="1961148"/>
           </a:xfrm>
           <a:prstGeom prst="rect">
@@ -12924,13 +12885,13 @@
           <p:nvPr/>
         </p:nvPicPr>
         <p:blipFill>
-          <a:blip r:embed="rId10">
+          <a:blip r:embed="rId8">
             <a:extLst>
               <a:ext uri="{28A0092B-C50C-407E-A947-70E740481C1C}">
                 <a14:useLocalDpi xmlns:a14="http://schemas.microsoft.com/office/drawing/2010/main" val="0"/>
               </a:ext>
               <a:ext uri="{96DAC541-7B7A-43D3-8B79-37D633B846F1}">
-                <asvg:svgBlip xmlns:asvg="http://schemas.microsoft.com/office/drawing/2016/SVG/main" r:embed="rId11"/>
+                <asvg:svgBlip xmlns:asvg="http://schemas.microsoft.com/office/drawing/2016/SVG/main" r:embed="rId9"/>
               </a:ext>
             </a:extLst>
           </a:blip>
@@ -12963,13 +12924,13 @@
           <p:nvPr/>
         </p:nvPicPr>
         <p:blipFill>
-          <a:blip r:embed="rId12">
+          <a:blip r:embed="rId10">
             <a:extLst>
               <a:ext uri="{28A0092B-C50C-407E-A947-70E740481C1C}">
                 <a14:useLocalDpi xmlns:a14="http://schemas.microsoft.com/office/drawing/2010/main" val="0"/>
               </a:ext>
               <a:ext uri="{96DAC541-7B7A-43D3-8B79-37D633B846F1}">
-                <asvg:svgBlip xmlns:asvg="http://schemas.microsoft.com/office/drawing/2016/SVG/main" r:embed="rId13"/>
+                <asvg:svgBlip xmlns:asvg="http://schemas.microsoft.com/office/drawing/2016/SVG/main" r:embed="rId11"/>
               </a:ext>
             </a:extLst>
           </a:blip>
@@ -12979,7 +12940,7 @@
         </p:blipFill>
         <p:spPr>
           <a:xfrm>
-            <a:off x="7468142" y="712097"/>
+            <a:off x="7468142" y="782926"/>
             <a:ext cx="1863793" cy="1863793"/>
           </a:xfrm>
           <a:prstGeom prst="rect">
@@ -13001,7 +12962,7 @@
         </p:nvSpPr>
         <p:spPr>
           <a:xfrm>
-            <a:off x="1116674" y="2763300"/>
+            <a:off x="4395289" y="2834129"/>
             <a:ext cx="1540550" cy="369332"/>
           </a:xfrm>
           <a:prstGeom prst="rect">
@@ -13036,7 +12997,7 @@
         </p:nvSpPr>
         <p:spPr>
           <a:xfrm>
-            <a:off x="3769890" y="585537"/>
+            <a:off x="513345" y="656366"/>
             <a:ext cx="2747211" cy="2606842"/>
           </a:xfrm>
           <a:prstGeom prst="rect">
@@ -13088,8 +13049,8 @@
         </p:nvSpPr>
         <p:spPr>
           <a:xfrm>
-            <a:off x="4573594" y="2763300"/>
-            <a:ext cx="1139799" cy="369332"/>
+            <a:off x="1010447" y="2835600"/>
+            <a:ext cx="1845185" cy="369332"/>
           </a:xfrm>
           <a:prstGeom prst="rect">
             <a:avLst/>
@@ -13104,7 +13065,7 @@
           <a:p>
             <a:r>
               <a:rPr lang="en-US" b="1" dirty="0"/>
-              <a:t>Standards</a:t>
+              <a:t>Packaged Models</a:t>
             </a:r>
           </a:p>
         </p:txBody>
@@ -13123,7 +13084,7 @@
         </p:nvSpPr>
         <p:spPr>
           <a:xfrm>
-            <a:off x="7026435" y="585537"/>
+            <a:off x="7026435" y="656366"/>
             <a:ext cx="2747211" cy="2606842"/>
           </a:xfrm>
           <a:prstGeom prst="rect">
@@ -13175,8 +13136,8 @@
         </p:nvSpPr>
         <p:spPr>
           <a:xfrm>
-            <a:off x="7812633" y="2763300"/>
-            <a:ext cx="1174809" cy="369332"/>
+            <a:off x="7595819" y="2834129"/>
+            <a:ext cx="1736116" cy="369332"/>
           </a:xfrm>
           <a:prstGeom prst="rect">
             <a:avLst/>
@@ -13191,7 +13152,7 @@
           <a:p>
             <a:r>
               <a:rPr lang="en-US" b="1" dirty="0"/>
-              <a:t>Feedbacks</a:t>
+              <a:t>Software Health</a:t>
             </a:r>
           </a:p>
         </p:txBody>
@@ -13457,6 +13418,45 @@
           </a:p>
         </p:txBody>
       </p:sp>
+      <p:pic>
+        <p:nvPicPr>
+          <p:cNvPr id="3" name="Graphic 2" descr="Web design with solid fill">
+            <a:extLst>
+              <a:ext uri="{FF2B5EF4-FFF2-40B4-BE49-F238E27FC236}">
+                <a16:creationId xmlns:a16="http://schemas.microsoft.com/office/drawing/2014/main" id="{34FA2A48-1955-B642-0138-5434BC2287E6}"/>
+              </a:ext>
+            </a:extLst>
+          </p:cNvPr>
+          <p:cNvPicPr>
+            <a:picLocks noChangeAspect="1"/>
+          </p:cNvPicPr>
+          <p:nvPr/>
+        </p:nvPicPr>
+        <p:blipFill>
+          <a:blip r:embed="rId12">
+            <a:extLst>
+              <a:ext uri="{28A0092B-C50C-407E-A947-70E740481C1C}">
+                <a14:useLocalDpi xmlns:a14="http://schemas.microsoft.com/office/drawing/2010/main" val="0"/>
+              </a:ext>
+              <a:ext uri="{96DAC541-7B7A-43D3-8B79-37D633B846F1}">
+                <asvg:svgBlip xmlns:asvg="http://schemas.microsoft.com/office/drawing/2016/SVG/main" r:embed="rId13"/>
+              </a:ext>
+            </a:extLst>
+          </a:blip>
+          <a:stretch>
+            <a:fillRect/>
+          </a:stretch>
+        </p:blipFill>
+        <p:spPr>
+          <a:xfrm>
+            <a:off x="862474" y="787148"/>
+            <a:ext cx="1956926" cy="1956926"/>
+          </a:xfrm>
+          <a:prstGeom prst="rect">
+            <a:avLst/>
+          </a:prstGeom>
+        </p:spPr>
+      </p:pic>
     </p:spTree>
     <p:extLst>
       <p:ext uri="{BB962C8B-B14F-4D97-AF65-F5344CB8AC3E}">
